--- a/Freeman-Chain-Code.pptx
+++ b/Freeman-Chain-Code.pptx
@@ -284,7 +284,7 @@
           <a:p>
             <a:fld id="{58A66735-D416-47AF-9704-32DCB51D2CBB}" type="datetimeFigureOut">
               <a:rPr lang="en-US" smtClean="0"/>
-              <a:t>5/22/2019</a:t>
+              <a:t>5/23/2019</a:t>
             </a:fld>
             <a:endParaRPr lang="en-US"/>
           </a:p>
@@ -482,7 +482,7 @@
           <a:p>
             <a:fld id="{58A66735-D416-47AF-9704-32DCB51D2CBB}" type="datetimeFigureOut">
               <a:rPr lang="en-US" smtClean="0"/>
-              <a:t>5/22/2019</a:t>
+              <a:t>5/23/2019</a:t>
             </a:fld>
             <a:endParaRPr lang="en-US"/>
           </a:p>
@@ -690,7 +690,7 @@
           <a:p>
             <a:fld id="{58A66735-D416-47AF-9704-32DCB51D2CBB}" type="datetimeFigureOut">
               <a:rPr lang="en-US" smtClean="0"/>
-              <a:t>5/22/2019</a:t>
+              <a:t>5/23/2019</a:t>
             </a:fld>
             <a:endParaRPr lang="en-US"/>
           </a:p>
@@ -888,7 +888,7 @@
           <a:p>
             <a:fld id="{58A66735-D416-47AF-9704-32DCB51D2CBB}" type="datetimeFigureOut">
               <a:rPr lang="en-US" smtClean="0"/>
-              <a:t>5/22/2019</a:t>
+              <a:t>5/23/2019</a:t>
             </a:fld>
             <a:endParaRPr lang="en-US"/>
           </a:p>
@@ -1163,7 +1163,7 @@
           <a:p>
             <a:fld id="{58A66735-D416-47AF-9704-32DCB51D2CBB}" type="datetimeFigureOut">
               <a:rPr lang="en-US" smtClean="0"/>
-              <a:t>5/22/2019</a:t>
+              <a:t>5/23/2019</a:t>
             </a:fld>
             <a:endParaRPr lang="en-US"/>
           </a:p>
@@ -1428,7 +1428,7 @@
           <a:p>
             <a:fld id="{58A66735-D416-47AF-9704-32DCB51D2CBB}" type="datetimeFigureOut">
               <a:rPr lang="en-US" smtClean="0"/>
-              <a:t>5/22/2019</a:t>
+              <a:t>5/23/2019</a:t>
             </a:fld>
             <a:endParaRPr lang="en-US"/>
           </a:p>
@@ -1840,7 +1840,7 @@
           <a:p>
             <a:fld id="{58A66735-D416-47AF-9704-32DCB51D2CBB}" type="datetimeFigureOut">
               <a:rPr lang="en-US" smtClean="0"/>
-              <a:t>5/22/2019</a:t>
+              <a:t>5/23/2019</a:t>
             </a:fld>
             <a:endParaRPr lang="en-US"/>
           </a:p>
@@ -1981,7 +1981,7 @@
           <a:p>
             <a:fld id="{58A66735-D416-47AF-9704-32DCB51D2CBB}" type="datetimeFigureOut">
               <a:rPr lang="en-US" smtClean="0"/>
-              <a:t>5/22/2019</a:t>
+              <a:t>5/23/2019</a:t>
             </a:fld>
             <a:endParaRPr lang="en-US"/>
           </a:p>
@@ -2094,7 +2094,7 @@
           <a:p>
             <a:fld id="{58A66735-D416-47AF-9704-32DCB51D2CBB}" type="datetimeFigureOut">
               <a:rPr lang="en-US" smtClean="0"/>
-              <a:t>5/22/2019</a:t>
+              <a:t>5/23/2019</a:t>
             </a:fld>
             <a:endParaRPr lang="en-US"/>
           </a:p>
@@ -2405,7 +2405,7 @@
           <a:p>
             <a:fld id="{58A66735-D416-47AF-9704-32DCB51D2CBB}" type="datetimeFigureOut">
               <a:rPr lang="en-US" smtClean="0"/>
-              <a:t>5/22/2019</a:t>
+              <a:t>5/23/2019</a:t>
             </a:fld>
             <a:endParaRPr lang="en-US"/>
           </a:p>
@@ -2693,7 +2693,7 @@
           <a:p>
             <a:fld id="{58A66735-D416-47AF-9704-32DCB51D2CBB}" type="datetimeFigureOut">
               <a:rPr lang="en-US" smtClean="0"/>
-              <a:t>5/22/2019</a:t>
+              <a:t>5/23/2019</a:t>
             </a:fld>
             <a:endParaRPr lang="en-US"/>
           </a:p>
@@ -2934,7 +2934,7 @@
           <a:p>
             <a:fld id="{58A66735-D416-47AF-9704-32DCB51D2CBB}" type="datetimeFigureOut">
               <a:rPr lang="en-US" smtClean="0"/>
-              <a:t>5/22/2019</a:t>
+              <a:t>5/23/2019</a:t>
             </a:fld>
             <a:endParaRPr lang="en-US"/>
           </a:p>
@@ -3416,6 +3416,76 @@
           <a:bodyPr/>
           <a:lstStyle/>
           <a:p>
+            <a:r>
+              <a:rPr lang="en-US" dirty="0" smtClean="0"/>
+              <a:t>Instructor: </a:t>
+            </a:r>
+            <a:r>
+              <a:rPr lang="en-US" dirty="0" err="1" smtClean="0"/>
+              <a:t>Đỗ</a:t>
+            </a:r>
+            <a:r>
+              <a:rPr lang="en-US" dirty="0" smtClean="0"/>
+              <a:t> </a:t>
+            </a:r>
+            <a:r>
+              <a:rPr lang="en-US" dirty="0" err="1" smtClean="0"/>
+              <a:t>Hồng</a:t>
+            </a:r>
+            <a:r>
+              <a:rPr lang="en-US" dirty="0" smtClean="0"/>
+              <a:t> </a:t>
+            </a:r>
+            <a:r>
+              <a:rPr lang="en-US" dirty="0" err="1" smtClean="0"/>
+              <a:t>Tuấn</a:t>
+            </a:r>
+            <a:endParaRPr lang="en-US" dirty="0" smtClean="0"/>
+          </a:p>
+          <a:p>
+            <a:r>
+              <a:rPr lang="en-US" dirty="0" smtClean="0"/>
+              <a:t>Group member: +</a:t>
+            </a:r>
+            <a:r>
+              <a:rPr lang="en-US" dirty="0" err="1" smtClean="0"/>
+              <a:t>Lê</a:t>
+            </a:r>
+            <a:r>
+              <a:rPr lang="en-US" dirty="0" smtClean="0"/>
+              <a:t> </a:t>
+            </a:r>
+            <a:r>
+              <a:rPr lang="en-US" dirty="0" err="1" smtClean="0"/>
+              <a:t>Hoàng</a:t>
+            </a:r>
+            <a:r>
+              <a:rPr lang="en-US" dirty="0" smtClean="0"/>
+              <a:t> </a:t>
+            </a:r>
+            <a:r>
+              <a:rPr lang="en-US" dirty="0" err="1" smtClean="0"/>
+              <a:t>Giang</a:t>
+            </a:r>
+            <a:endParaRPr lang="en-US" dirty="0" smtClean="0"/>
+          </a:p>
+          <a:p>
+            <a:r>
+              <a:rPr lang="en-US" dirty="0" smtClean="0"/>
+              <a:t>                                 + </a:t>
+            </a:r>
+            <a:r>
+              <a:rPr lang="en-US" dirty="0" err="1" smtClean="0"/>
+              <a:t>Vương</a:t>
+            </a:r>
+            <a:r>
+              <a:rPr lang="en-US" dirty="0" smtClean="0"/>
+              <a:t> Minh </a:t>
+            </a:r>
+            <a:r>
+              <a:rPr lang="en-US" dirty="0" err="1" smtClean="0"/>
+              <a:t>Phú</a:t>
+            </a:r>
             <a:endParaRPr lang="en-US" dirty="0"/>
           </a:p>
         </p:txBody>
@@ -3430,6 +3500,13 @@
   <p:clrMapOvr>
     <a:masterClrMapping/>
   </p:clrMapOvr>
+  <p:timing>
+    <p:tnLst>
+      <p:par>
+        <p:cTn id="1" dur="indefinite" restart="never" nodeType="tmRoot"/>
+      </p:par>
+    </p:tnLst>
+  </p:timing>
 </p:sld>
 </file>
 
@@ -4095,6 +4172,13 @@
   <p:clrMapOvr>
     <a:masterClrMapping/>
   </p:clrMapOvr>
+  <p:timing>
+    <p:tnLst>
+      <p:par>
+        <p:cTn id="1" dur="indefinite" restart="never" nodeType="tmRoot"/>
+      </p:par>
+    </p:tnLst>
+  </p:timing>
 </p:sld>
 </file>
 
@@ -4429,6 +4513,84 @@
   <p:clrMapOvr>
     <a:masterClrMapping/>
   </p:clrMapOvr>
+  <p:timing>
+    <p:tnLst>
+      <p:par>
+        <p:cTn id="1" dur="indefinite" restart="never" nodeType="tmRoot">
+          <p:childTnLst>
+            <p:seq concurrent="1" nextAc="seek">
+              <p:cTn id="2" dur="indefinite" nodeType="mainSeq">
+                <p:childTnLst>
+                  <p:par>
+                    <p:cTn id="3" fill="hold">
+                      <p:stCondLst>
+                        <p:cond delay="indefinite"/>
+                      </p:stCondLst>
+                      <p:childTnLst>
+                        <p:par>
+                          <p:cTn id="4" fill="hold">
+                            <p:stCondLst>
+                              <p:cond delay="0"/>
+                            </p:stCondLst>
+                            <p:childTnLst>
+                              <p:par>
+                                <p:cTn id="5" presetID="1" presetClass="entr" presetSubtype="0" fill="hold" grpId="0" nodeType="clickEffect">
+                                  <p:stCondLst>
+                                    <p:cond delay="0"/>
+                                  </p:stCondLst>
+                                  <p:childTnLst>
+                                    <p:set>
+                                      <p:cBhvr>
+                                        <p:cTn id="6" dur="1" fill="hold">
+                                          <p:stCondLst>
+                                            <p:cond delay="0"/>
+                                          </p:stCondLst>
+                                        </p:cTn>
+                                        <p:tgtEl>
+                                          <p:spTgt spid="9"/>
+                                        </p:tgtEl>
+                                        <p:attrNameLst>
+                                          <p:attrName>style.visibility</p:attrName>
+                                        </p:attrNameLst>
+                                      </p:cBhvr>
+                                      <p:to>
+                                        <p:strVal val="visible"/>
+                                      </p:to>
+                                    </p:set>
+                                  </p:childTnLst>
+                                </p:cTn>
+                              </p:par>
+                            </p:childTnLst>
+                          </p:cTn>
+                        </p:par>
+                      </p:childTnLst>
+                    </p:cTn>
+                  </p:par>
+                </p:childTnLst>
+              </p:cTn>
+              <p:prevCondLst>
+                <p:cond evt="onPrev" delay="0">
+                  <p:tgtEl>
+                    <p:sldTgt/>
+                  </p:tgtEl>
+                </p:cond>
+              </p:prevCondLst>
+              <p:nextCondLst>
+                <p:cond evt="onNext" delay="0">
+                  <p:tgtEl>
+                    <p:sldTgt/>
+                  </p:tgtEl>
+                </p:cond>
+              </p:nextCondLst>
+            </p:seq>
+          </p:childTnLst>
+        </p:cTn>
+      </p:par>
+    </p:tnLst>
+    <p:bldLst>
+      <p:bldP spid="9" grpId="0" animBg="1"/>
+    </p:bldLst>
+  </p:timing>
 </p:sld>
 </file>
 
@@ -4609,6 +4771,171 @@
   <p:clrMapOvr>
     <a:masterClrMapping/>
   </p:clrMapOvr>
+  <p:timing>
+    <p:tnLst>
+      <p:par>
+        <p:cTn id="1" dur="indefinite" restart="never" nodeType="tmRoot">
+          <p:childTnLst>
+            <p:seq concurrent="1" nextAc="seek">
+              <p:cTn id="2" dur="indefinite" nodeType="mainSeq">
+                <p:childTnLst>
+                  <p:par>
+                    <p:cTn id="3" fill="hold">
+                      <p:stCondLst>
+                        <p:cond delay="indefinite"/>
+                      </p:stCondLst>
+                      <p:childTnLst>
+                        <p:par>
+                          <p:cTn id="4" fill="hold">
+                            <p:stCondLst>
+                              <p:cond delay="0"/>
+                            </p:stCondLst>
+                            <p:childTnLst>
+                              <p:par>
+                                <p:cTn id="5" presetID="1" presetClass="entr" presetSubtype="0" fill="hold" nodeType="clickEffect">
+                                  <p:stCondLst>
+                                    <p:cond delay="0"/>
+                                  </p:stCondLst>
+                                  <p:childTnLst>
+                                    <p:set>
+                                      <p:cBhvr>
+                                        <p:cTn id="6" dur="1" fill="hold">
+                                          <p:stCondLst>
+                                            <p:cond delay="0"/>
+                                          </p:stCondLst>
+                                        </p:cTn>
+                                        <p:tgtEl>
+                                          <p:spTgt spid="6"/>
+                                        </p:tgtEl>
+                                        <p:attrNameLst>
+                                          <p:attrName>style.visibility</p:attrName>
+                                        </p:attrNameLst>
+                                      </p:cBhvr>
+                                      <p:to>
+                                        <p:strVal val="visible"/>
+                                      </p:to>
+                                    </p:set>
+                                  </p:childTnLst>
+                                </p:cTn>
+                              </p:par>
+                            </p:childTnLst>
+                          </p:cTn>
+                        </p:par>
+                      </p:childTnLst>
+                    </p:cTn>
+                  </p:par>
+                  <p:par>
+                    <p:cTn id="7" fill="hold">
+                      <p:stCondLst>
+                        <p:cond delay="indefinite"/>
+                      </p:stCondLst>
+                      <p:childTnLst>
+                        <p:par>
+                          <p:cTn id="8" fill="hold">
+                            <p:stCondLst>
+                              <p:cond delay="0"/>
+                            </p:stCondLst>
+                            <p:childTnLst>
+                              <p:par>
+                                <p:cTn id="9" presetID="1" presetClass="entr" presetSubtype="0" fill="hold" nodeType="clickEffect">
+                                  <p:stCondLst>
+                                    <p:cond delay="0"/>
+                                  </p:stCondLst>
+                                  <p:childTnLst>
+                                    <p:set>
+                                      <p:cBhvr>
+                                        <p:cTn id="10" dur="1" fill="hold">
+                                          <p:stCondLst>
+                                            <p:cond delay="0"/>
+                                          </p:stCondLst>
+                                        </p:cTn>
+                                        <p:tgtEl>
+                                          <p:spTgt spid="8"/>
+                                        </p:tgtEl>
+                                        <p:attrNameLst>
+                                          <p:attrName>style.visibility</p:attrName>
+                                        </p:attrNameLst>
+                                      </p:cBhvr>
+                                      <p:to>
+                                        <p:strVal val="visible"/>
+                                      </p:to>
+                                    </p:set>
+                                  </p:childTnLst>
+                                </p:cTn>
+                              </p:par>
+                            </p:childTnLst>
+                          </p:cTn>
+                        </p:par>
+                      </p:childTnLst>
+                    </p:cTn>
+                  </p:par>
+                  <p:par>
+                    <p:cTn id="11" fill="hold">
+                      <p:stCondLst>
+                        <p:cond delay="indefinite"/>
+                      </p:stCondLst>
+                      <p:childTnLst>
+                        <p:par>
+                          <p:cTn id="12" fill="hold">
+                            <p:stCondLst>
+                              <p:cond delay="0"/>
+                            </p:stCondLst>
+                            <p:childTnLst>
+                              <p:par>
+                                <p:cTn id="13" presetID="1" presetClass="entr" presetSubtype="0" fill="hold" nodeType="clickEffect">
+                                  <p:stCondLst>
+                                    <p:cond delay="0"/>
+                                  </p:stCondLst>
+                                  <p:childTnLst>
+                                    <p:set>
+                                      <p:cBhvr>
+                                        <p:cTn id="14" dur="1" fill="hold">
+                                          <p:stCondLst>
+                                            <p:cond delay="0"/>
+                                          </p:stCondLst>
+                                        </p:cTn>
+                                        <p:tgtEl>
+                                          <p:spTgt spid="7"/>
+                                        </p:tgtEl>
+                                        <p:attrNameLst>
+                                          <p:attrName>style.visibility</p:attrName>
+                                        </p:attrNameLst>
+                                      </p:cBhvr>
+                                      <p:to>
+                                        <p:strVal val="visible"/>
+                                      </p:to>
+                                    </p:set>
+                                  </p:childTnLst>
+                                </p:cTn>
+                              </p:par>
+                            </p:childTnLst>
+                          </p:cTn>
+                        </p:par>
+                      </p:childTnLst>
+                    </p:cTn>
+                  </p:par>
+                </p:childTnLst>
+              </p:cTn>
+              <p:prevCondLst>
+                <p:cond evt="onPrev" delay="0">
+                  <p:tgtEl>
+                    <p:sldTgt/>
+                  </p:tgtEl>
+                </p:cond>
+              </p:prevCondLst>
+              <p:nextCondLst>
+                <p:cond evt="onNext" delay="0">
+                  <p:tgtEl>
+                    <p:sldTgt/>
+                  </p:tgtEl>
+                </p:cond>
+              </p:nextCondLst>
+            </p:seq>
+          </p:childTnLst>
+        </p:cTn>
+      </p:par>
+    </p:tnLst>
+  </p:timing>
 </p:sld>
 </file>
 
@@ -4809,6 +5136,126 @@
   <p:clrMapOvr>
     <a:masterClrMapping/>
   </p:clrMapOvr>
+  <p:timing>
+    <p:tnLst>
+      <p:par>
+        <p:cTn id="1" dur="indefinite" restart="never" nodeType="tmRoot">
+          <p:childTnLst>
+            <p:seq concurrent="1" nextAc="seek">
+              <p:cTn id="2" dur="indefinite" nodeType="mainSeq">
+                <p:childTnLst>
+                  <p:par>
+                    <p:cTn id="3" fill="hold">
+                      <p:stCondLst>
+                        <p:cond delay="indefinite"/>
+                      </p:stCondLst>
+                      <p:childTnLst>
+                        <p:par>
+                          <p:cTn id="4" fill="hold">
+                            <p:stCondLst>
+                              <p:cond delay="0"/>
+                            </p:stCondLst>
+                            <p:childTnLst>
+                              <p:par>
+                                <p:cTn id="5" presetID="1" presetClass="entr" presetSubtype="0" fill="hold" nodeType="clickEffect">
+                                  <p:stCondLst>
+                                    <p:cond delay="0"/>
+                                  </p:stCondLst>
+                                  <p:childTnLst>
+                                    <p:set>
+                                      <p:cBhvr>
+                                        <p:cTn id="6" dur="1" fill="hold">
+                                          <p:stCondLst>
+                                            <p:cond delay="0"/>
+                                          </p:stCondLst>
+                                        </p:cTn>
+                                        <p:tgtEl>
+                                          <p:spTgt spid="5"/>
+                                        </p:tgtEl>
+                                        <p:attrNameLst>
+                                          <p:attrName>style.visibility</p:attrName>
+                                        </p:attrNameLst>
+                                      </p:cBhvr>
+                                      <p:to>
+                                        <p:strVal val="visible"/>
+                                      </p:to>
+                                    </p:set>
+                                  </p:childTnLst>
+                                </p:cTn>
+                              </p:par>
+                            </p:childTnLst>
+                          </p:cTn>
+                        </p:par>
+                      </p:childTnLst>
+                    </p:cTn>
+                  </p:par>
+                  <p:par>
+                    <p:cTn id="7" fill="hold">
+                      <p:stCondLst>
+                        <p:cond delay="indefinite"/>
+                      </p:stCondLst>
+                      <p:childTnLst>
+                        <p:par>
+                          <p:cTn id="8" fill="hold">
+                            <p:stCondLst>
+                              <p:cond delay="0"/>
+                            </p:stCondLst>
+                            <p:childTnLst>
+                              <p:par>
+                                <p:cTn id="9" presetID="1" presetClass="entr" presetSubtype="0" fill="hold" nodeType="clickEffect">
+                                  <p:stCondLst>
+                                    <p:cond delay="0"/>
+                                  </p:stCondLst>
+                                  <p:childTnLst>
+                                    <p:set>
+                                      <p:cBhvr>
+                                        <p:cTn id="10" dur="1" fill="hold">
+                                          <p:stCondLst>
+                                            <p:cond delay="0"/>
+                                          </p:stCondLst>
+                                        </p:cTn>
+                                        <p:tgtEl>
+                                          <p:spTgt spid="6"/>
+                                        </p:tgtEl>
+                                        <p:attrNameLst>
+                                          <p:attrName>style.visibility</p:attrName>
+                                        </p:attrNameLst>
+                                      </p:cBhvr>
+                                      <p:to>
+                                        <p:strVal val="visible"/>
+                                      </p:to>
+                                    </p:set>
+                                  </p:childTnLst>
+                                </p:cTn>
+                              </p:par>
+                            </p:childTnLst>
+                          </p:cTn>
+                        </p:par>
+                      </p:childTnLst>
+                    </p:cTn>
+                  </p:par>
+                </p:childTnLst>
+              </p:cTn>
+              <p:prevCondLst>
+                <p:cond evt="onPrev" delay="0">
+                  <p:tgtEl>
+                    <p:sldTgt/>
+                  </p:tgtEl>
+                </p:cond>
+              </p:prevCondLst>
+              <p:nextCondLst>
+                <p:cond evt="onNext" delay="0">
+                  <p:tgtEl>
+                    <p:sldTgt/>
+                  </p:tgtEl>
+                </p:cond>
+              </p:nextCondLst>
+            </p:seq>
+          </p:childTnLst>
+        </p:cTn>
+      </p:par>
+    </p:tnLst>
+  </p:timing>
 </p:sld>
 </file>
 
@@ -4979,6 +5426,13 @@
   <p:clrMapOvr>
     <a:masterClrMapping/>
   </p:clrMapOvr>
+  <p:timing>
+    <p:tnLst>
+      <p:par>
+        <p:cTn id="1" dur="indefinite" restart="never" nodeType="tmRoot"/>
+      </p:par>
+    </p:tnLst>
+  </p:timing>
 </p:sld>
 </file>
 
@@ -5183,6 +5637,13 @@
   <p:clrMapOvr>
     <a:masterClrMapping/>
   </p:clrMapOvr>
+  <p:timing>
+    <p:tnLst>
+      <p:par>
+        <p:cTn id="1" dur="indefinite" restart="never" nodeType="tmRoot"/>
+      </p:par>
+    </p:tnLst>
+  </p:timing>
 </p:sld>
 </file>
 
@@ -5353,6 +5814,13 @@
   <p:clrMapOvr>
     <a:masterClrMapping/>
   </p:clrMapOvr>
+  <p:timing>
+    <p:tnLst>
+      <p:par>
+        <p:cTn id="1" dur="indefinite" restart="never" nodeType="tmRoot"/>
+      </p:par>
+    </p:tnLst>
+  </p:timing>
 </p:sld>
 </file>
 

--- a/Freeman-Chain-Code.pptx
+++ b/Freeman-Chain-Code.pptx
@@ -6,20 +6,22 @@
   </p:sldMasterIdLst>
   <p:sldIdLst>
     <p:sldId id="256" r:id="rId2"/>
-    <p:sldId id="257" r:id="rId3"/>
-    <p:sldId id="258" r:id="rId4"/>
-    <p:sldId id="259" r:id="rId5"/>
-    <p:sldId id="260" r:id="rId6"/>
-    <p:sldId id="261" r:id="rId7"/>
-    <p:sldId id="262" r:id="rId8"/>
-    <p:sldId id="263" r:id="rId9"/>
-    <p:sldId id="264" r:id="rId10"/>
-    <p:sldId id="265" r:id="rId11"/>
-    <p:sldId id="266" r:id="rId12"/>
-    <p:sldId id="267" r:id="rId13"/>
-    <p:sldId id="268" r:id="rId14"/>
-    <p:sldId id="269" r:id="rId15"/>
-    <p:sldId id="270" r:id="rId16"/>
+    <p:sldId id="273" r:id="rId3"/>
+    <p:sldId id="257" r:id="rId4"/>
+    <p:sldId id="258" r:id="rId5"/>
+    <p:sldId id="259" r:id="rId6"/>
+    <p:sldId id="260" r:id="rId7"/>
+    <p:sldId id="261" r:id="rId8"/>
+    <p:sldId id="262" r:id="rId9"/>
+    <p:sldId id="263" r:id="rId10"/>
+    <p:sldId id="264" r:id="rId11"/>
+    <p:sldId id="265" r:id="rId12"/>
+    <p:sldId id="266" r:id="rId13"/>
+    <p:sldId id="267" r:id="rId14"/>
+    <p:sldId id="271" r:id="rId15"/>
+    <p:sldId id="272" r:id="rId16"/>
+    <p:sldId id="269" r:id="rId17"/>
+    <p:sldId id="270" r:id="rId18"/>
   </p:sldIdLst>
   <p:sldSz cx="12192000" cy="6858000"/>
   <p:notesSz cx="6858000" cy="9144000"/>
@@ -3417,73 +3419,73 @@
           <a:lstStyle/>
           <a:p>
             <a:r>
-              <a:rPr lang="en-US" dirty="0" smtClean="0"/>
+              <a:rPr lang="en-US" dirty="0"/>
               <a:t>Instructor: </a:t>
             </a:r>
             <a:r>
-              <a:rPr lang="en-US" dirty="0" err="1" smtClean="0"/>
+              <a:rPr lang="en-US" dirty="0" err="1"/>
               <a:t>Đỗ</a:t>
             </a:r>
             <a:r>
-              <a:rPr lang="en-US" dirty="0" smtClean="0"/>
+              <a:rPr lang="en-US" dirty="0"/>
               <a:t> </a:t>
             </a:r>
             <a:r>
-              <a:rPr lang="en-US" dirty="0" err="1" smtClean="0"/>
+              <a:rPr lang="en-US" dirty="0" err="1"/>
               <a:t>Hồng</a:t>
             </a:r>
             <a:r>
-              <a:rPr lang="en-US" dirty="0" smtClean="0"/>
+              <a:rPr lang="en-US" dirty="0"/>
               <a:t> </a:t>
             </a:r>
             <a:r>
-              <a:rPr lang="en-US" dirty="0" err="1" smtClean="0"/>
+              <a:rPr lang="en-US" dirty="0" err="1"/>
               <a:t>Tuấn</a:t>
             </a:r>
-            <a:endParaRPr lang="en-US" dirty="0" smtClean="0"/>
-          </a:p>
-          <a:p>
-            <a:r>
-              <a:rPr lang="en-US" dirty="0" smtClean="0"/>
+            <a:endParaRPr lang="en-US" dirty="0"/>
+          </a:p>
+          <a:p>
+            <a:r>
+              <a:rPr lang="en-US" dirty="0"/>
               <a:t>Group member: +</a:t>
             </a:r>
             <a:r>
-              <a:rPr lang="en-US" dirty="0" err="1" smtClean="0"/>
+              <a:rPr lang="en-US" dirty="0" err="1"/>
               <a:t>Lê</a:t>
             </a:r>
             <a:r>
-              <a:rPr lang="en-US" dirty="0" smtClean="0"/>
+              <a:rPr lang="en-US" dirty="0"/>
               <a:t> </a:t>
             </a:r>
             <a:r>
-              <a:rPr lang="en-US" dirty="0" err="1" smtClean="0"/>
+              <a:rPr lang="en-US" dirty="0" err="1"/>
               <a:t>Hoàng</a:t>
             </a:r>
             <a:r>
-              <a:rPr lang="en-US" dirty="0" smtClean="0"/>
+              <a:rPr lang="en-US" dirty="0"/>
               <a:t> </a:t>
             </a:r>
             <a:r>
-              <a:rPr lang="en-US" dirty="0" err="1" smtClean="0"/>
+              <a:rPr lang="en-US" dirty="0" err="1"/>
               <a:t>Giang</a:t>
             </a:r>
-            <a:endParaRPr lang="en-US" dirty="0" smtClean="0"/>
-          </a:p>
-          <a:p>
-            <a:r>
-              <a:rPr lang="en-US" dirty="0" smtClean="0"/>
+            <a:endParaRPr lang="en-US" dirty="0"/>
+          </a:p>
+          <a:p>
+            <a:r>
+              <a:rPr lang="en-US" dirty="0"/>
               <a:t>                                 + </a:t>
             </a:r>
             <a:r>
-              <a:rPr lang="en-US" dirty="0" err="1" smtClean="0"/>
+              <a:rPr lang="en-US" dirty="0" err="1"/>
               <a:t>Vương</a:t>
             </a:r>
             <a:r>
-              <a:rPr lang="en-US" dirty="0" smtClean="0"/>
+              <a:rPr lang="en-US" dirty="0"/>
               <a:t> Minh </a:t>
             </a:r>
             <a:r>
-              <a:rPr lang="en-US" dirty="0" err="1" smtClean="0"/>
+              <a:rPr lang="en-US" dirty="0" err="1"/>
               <a:t>Phú</a:t>
             </a:r>
             <a:endParaRPr lang="en-US" dirty="0"/>
@@ -3500,13 +3502,6 @@
   <p:clrMapOvr>
     <a:masterClrMapping/>
   </p:clrMapOvr>
-  <p:timing>
-    <p:tnLst>
-      <p:par>
-        <p:cTn id="1" dur="indefinite" restart="never" nodeType="tmRoot"/>
-      </p:par>
-    </p:tnLst>
-  </p:timing>
 </p:sld>
 </file>
 
@@ -3543,7 +3538,187 @@
           <a:lstStyle/>
           <a:p>
             <a:r>
-              <a:rPr lang="en-US" dirty="0" smtClean="0"/>
+              <a:rPr lang="en-US" dirty="0"/>
+              <a:t>Code</a:t>
+            </a:r>
+            <a:endParaRPr lang="vi-VN" dirty="0"/>
+          </a:p>
+        </p:txBody>
+      </p:sp>
+      <p:sp>
+        <p:nvSpPr>
+          <p:cNvPr id="3" name="Content Placeholder 2"/>
+          <p:cNvSpPr>
+            <a:spLocks noGrp="1"/>
+          </p:cNvSpPr>
+          <p:nvPr>
+            <p:ph idx="1"/>
+          </p:nvPr>
+        </p:nvSpPr>
+        <p:spPr/>
+        <p:txBody>
+          <a:bodyPr/>
+          <a:lstStyle/>
+          <a:p>
+            <a:endParaRPr lang="vi-VN" dirty="0"/>
+          </a:p>
+        </p:txBody>
+      </p:sp>
+      <p:pic>
+        <p:nvPicPr>
+          <p:cNvPr id="2050" name="Picture 2"/>
+          <p:cNvPicPr>
+            <a:picLocks noChangeAspect="1" noChangeArrowheads="1"/>
+          </p:cNvPicPr>
+          <p:nvPr/>
+        </p:nvPicPr>
+        <p:blipFill>
+          <a:blip r:embed="rId2">
+            <a:extLst>
+              <a:ext uri="{28A0092B-C50C-407E-A947-70E740481C1C}">
+                <a14:useLocalDpi xmlns:a14="http://schemas.microsoft.com/office/drawing/2010/main" val="0"/>
+              </a:ext>
+            </a:extLst>
+          </a:blip>
+          <a:srcRect/>
+          <a:stretch>
+            <a:fillRect/>
+          </a:stretch>
+        </p:blipFill>
+        <p:spPr bwMode="auto">
+          <a:xfrm>
+            <a:off x="390524" y="2260816"/>
+            <a:ext cx="5705475" cy="3952875"/>
+          </a:xfrm>
+          <a:prstGeom prst="rect">
+            <a:avLst/>
+          </a:prstGeom>
+          <a:noFill/>
+          <a:ln>
+            <a:noFill/>
+          </a:ln>
+          <a:extLst>
+            <a:ext uri="{909E8E84-426E-40DD-AFC4-6F175D3DCCD1}">
+              <a14:hiddenFill xmlns:a14="http://schemas.microsoft.com/office/drawing/2010/main">
+                <a:solidFill>
+                  <a:schemeClr val="accent1"/>
+                </a:solidFill>
+              </a14:hiddenFill>
+            </a:ext>
+            <a:ext uri="{91240B29-F687-4F45-9708-019B960494DF}">
+              <a14:hiddenLine xmlns:a14="http://schemas.microsoft.com/office/drawing/2010/main" w="9525">
+                <a:solidFill>
+                  <a:schemeClr val="tx1"/>
+                </a:solidFill>
+                <a:miter lim="800000"/>
+                <a:headEnd/>
+                <a:tailEnd/>
+              </a14:hiddenLine>
+            </a:ext>
+          </a:extLst>
+        </p:spPr>
+      </p:pic>
+      <p:pic>
+        <p:nvPicPr>
+          <p:cNvPr id="2051" name="Picture 3"/>
+          <p:cNvPicPr>
+            <a:picLocks noChangeAspect="1" noChangeArrowheads="1"/>
+          </p:cNvPicPr>
+          <p:nvPr/>
+        </p:nvPicPr>
+        <p:blipFill>
+          <a:blip r:embed="rId3">
+            <a:extLst>
+              <a:ext uri="{28A0092B-C50C-407E-A947-70E740481C1C}">
+                <a14:useLocalDpi xmlns:a14="http://schemas.microsoft.com/office/drawing/2010/main" val="0"/>
+              </a:ext>
+            </a:extLst>
+          </a:blip>
+          <a:srcRect/>
+          <a:stretch>
+            <a:fillRect/>
+          </a:stretch>
+        </p:blipFill>
+        <p:spPr bwMode="auto">
+          <a:xfrm>
+            <a:off x="6193971" y="2252652"/>
+            <a:ext cx="5667375" cy="3143250"/>
+          </a:xfrm>
+          <a:prstGeom prst="rect">
+            <a:avLst/>
+          </a:prstGeom>
+          <a:noFill/>
+          <a:ln>
+            <a:noFill/>
+          </a:ln>
+          <a:extLst>
+            <a:ext uri="{909E8E84-426E-40DD-AFC4-6F175D3DCCD1}">
+              <a14:hiddenFill xmlns:a14="http://schemas.microsoft.com/office/drawing/2010/main">
+                <a:solidFill>
+                  <a:schemeClr val="accent1"/>
+                </a:solidFill>
+              </a14:hiddenFill>
+            </a:ext>
+            <a:ext uri="{91240B29-F687-4F45-9708-019B960494DF}">
+              <a14:hiddenLine xmlns:a14="http://schemas.microsoft.com/office/drawing/2010/main" w="9525">
+                <a:solidFill>
+                  <a:schemeClr val="tx1"/>
+                </a:solidFill>
+                <a:miter lim="800000"/>
+                <a:headEnd/>
+                <a:tailEnd/>
+              </a14:hiddenLine>
+            </a:ext>
+          </a:extLst>
+        </p:spPr>
+      </p:pic>
+    </p:spTree>
+    <p:extLst>
+      <p:ext uri="{BB962C8B-B14F-4D97-AF65-F5344CB8AC3E}">
+        <p14:creationId xmlns:p14="http://schemas.microsoft.com/office/powerpoint/2010/main" val="870555134"/>
+      </p:ext>
+    </p:extLst>
+  </p:cSld>
+  <p:clrMapOvr>
+    <a:masterClrMapping/>
+  </p:clrMapOvr>
+</p:sld>
+</file>
+
+<file path=ppt/slides/slide11.xml><?xml version="1.0" encoding="utf-8"?>
+<p:sld xmlns:a="http://schemas.openxmlformats.org/drawingml/2006/main" xmlns:r="http://schemas.openxmlformats.org/officeDocument/2006/relationships" xmlns:p="http://schemas.openxmlformats.org/presentationml/2006/main">
+  <p:cSld>
+    <p:spTree>
+      <p:nvGrpSpPr>
+        <p:cNvPr id="1" name=""/>
+        <p:cNvGrpSpPr/>
+        <p:nvPr/>
+      </p:nvGrpSpPr>
+      <p:grpSpPr>
+        <a:xfrm>
+          <a:off x="0" y="0"/>
+          <a:ext cx="0" cy="0"/>
+          <a:chOff x="0" y="0"/>
+          <a:chExt cx="0" cy="0"/>
+        </a:xfrm>
+      </p:grpSpPr>
+      <p:sp>
+        <p:nvSpPr>
+          <p:cNvPr id="2" name="Title 1"/>
+          <p:cNvSpPr>
+            <a:spLocks noGrp="1"/>
+          </p:cNvSpPr>
+          <p:nvPr>
+            <p:ph type="title"/>
+          </p:nvPr>
+        </p:nvSpPr>
+        <p:spPr/>
+        <p:txBody>
+          <a:bodyPr/>
+          <a:lstStyle/>
+          <a:p>
+            <a:r>
+              <a:rPr lang="en-US" dirty="0"/>
               <a:t>Rectangle</a:t>
             </a:r>
             <a:endParaRPr lang="vi-VN" dirty="0"/>
@@ -3651,17 +3826,10 @@
   <p:clrMapOvr>
     <a:masterClrMapping/>
   </p:clrMapOvr>
-  <p:timing>
-    <p:tnLst>
-      <p:par>
-        <p:cTn id="1" dur="indefinite" restart="never" nodeType="tmRoot"/>
-      </p:par>
-    </p:tnLst>
-  </p:timing>
 </p:sld>
 </file>
 
-<file path=ppt/slides/slide11.xml><?xml version="1.0" encoding="utf-8"?>
+<file path=ppt/slides/slide12.xml><?xml version="1.0" encoding="utf-8"?>
 <p:sld xmlns:a="http://schemas.openxmlformats.org/drawingml/2006/main" xmlns:r="http://schemas.openxmlformats.org/officeDocument/2006/relationships" xmlns:p="http://schemas.openxmlformats.org/presentationml/2006/main">
   <p:cSld>
     <p:spTree>
@@ -3694,10 +3862,9 @@
           <a:lstStyle/>
           <a:p>
             <a:r>
-              <a:rPr lang="en-US" dirty="0" smtClean="0"/>
+              <a:rPr lang="en-US" dirty="0"/>
               <a:t>Square</a:t>
             </a:r>
-            <a:endParaRPr lang="en-US" dirty="0"/>
           </a:p>
         </p:txBody>
       </p:sp>
@@ -3802,17 +3969,10 @@
   <p:clrMapOvr>
     <a:masterClrMapping/>
   </p:clrMapOvr>
-  <p:timing>
-    <p:tnLst>
-      <p:par>
-        <p:cTn id="1" dur="indefinite" restart="never" nodeType="tmRoot"/>
-      </p:par>
-    </p:tnLst>
-  </p:timing>
 </p:sld>
 </file>
 
-<file path=ppt/slides/slide12.xml><?xml version="1.0" encoding="utf-8"?>
+<file path=ppt/slides/slide13.xml><?xml version="1.0" encoding="utf-8"?>
 <p:sld xmlns:a="http://schemas.openxmlformats.org/drawingml/2006/main" xmlns:r="http://schemas.openxmlformats.org/officeDocument/2006/relationships" xmlns:p="http://schemas.openxmlformats.org/presentationml/2006/main">
   <p:cSld>
     <p:spTree>
@@ -3845,10 +4005,9 @@
           <a:lstStyle/>
           <a:p>
             <a:r>
-              <a:rPr lang="en-US" dirty="0" smtClean="0"/>
+              <a:rPr lang="en-US" dirty="0"/>
               <a:t>Triangle</a:t>
             </a:r>
-            <a:endParaRPr lang="en-US" dirty="0"/>
           </a:p>
         </p:txBody>
       </p:sp>
@@ -3953,17 +4112,10 @@
   <p:clrMapOvr>
     <a:masterClrMapping/>
   </p:clrMapOvr>
-  <p:timing>
-    <p:tnLst>
-      <p:par>
-        <p:cTn id="1" dur="indefinite" restart="never" nodeType="tmRoot"/>
-      </p:par>
-    </p:tnLst>
-  </p:timing>
 </p:sld>
 </file>
 
-<file path=ppt/slides/slide13.xml><?xml version="1.0" encoding="utf-8"?>
+<file path=ppt/slides/slide14.xml><?xml version="1.0" encoding="utf-8"?>
 <p:sld xmlns:a="http://schemas.openxmlformats.org/drawingml/2006/main" xmlns:r="http://schemas.openxmlformats.org/officeDocument/2006/relationships" xmlns:p="http://schemas.openxmlformats.org/presentationml/2006/main">
   <p:cSld>
     <p:spTree>
@@ -3982,7 +4134,13 @@
       </p:grpSpPr>
       <p:sp>
         <p:nvSpPr>
-          <p:cNvPr id="2" name="Title 1"/>
+          <p:cNvPr id="2" name="Title 1">
+            <a:extLst>
+              <a:ext uri="{FF2B5EF4-FFF2-40B4-BE49-F238E27FC236}">
+                <a16:creationId xmlns:a16="http://schemas.microsoft.com/office/drawing/2014/main" id="{2299CEF0-A239-41C1-A133-4B2BC6DD3EFF}"/>
+              </a:ext>
+            </a:extLst>
+          </p:cNvPr>
           <p:cNvSpPr>
             <a:spLocks noGrp="1"/>
           </p:cNvSpPr>
@@ -3995,17 +4153,19 @@
           <a:bodyPr/>
           <a:lstStyle/>
           <a:p>
-            <a:r>
-              <a:rPr lang="en-US" dirty="0" smtClean="0"/>
-              <a:t>Result</a:t>
-            </a:r>
             <a:endParaRPr lang="en-US" dirty="0"/>
           </a:p>
         </p:txBody>
       </p:sp>
       <p:sp>
         <p:nvSpPr>
-          <p:cNvPr id="3" name="Content Placeholder 2"/>
+          <p:cNvPr id="3" name="Content Placeholder 2">
+            <a:extLst>
+              <a:ext uri="{FF2B5EF4-FFF2-40B4-BE49-F238E27FC236}">
+                <a16:creationId xmlns:a16="http://schemas.microsoft.com/office/drawing/2014/main" id="{D0B6D219-E659-4CED-8271-DE8EE1524B66}"/>
+              </a:ext>
+            </a:extLst>
+          </p:cNvPr>
           <p:cNvSpPr>
             <a:spLocks noGrp="1"/>
           </p:cNvSpPr>
@@ -4024,7 +4184,13 @@
       </p:sp>
       <p:pic>
         <p:nvPicPr>
-          <p:cNvPr id="4" name="Picture 3"/>
+          <p:cNvPr id="4" name="Picture 3">
+            <a:extLst>
+              <a:ext uri="{FF2B5EF4-FFF2-40B4-BE49-F238E27FC236}">
+                <a16:creationId xmlns:a16="http://schemas.microsoft.com/office/drawing/2014/main" id="{D023C040-741D-413D-A7D9-0E86C0D8A087}"/>
+              </a:ext>
+            </a:extLst>
+          </p:cNvPr>
           <p:cNvPicPr>
             <a:picLocks noChangeAspect="1"/>
           </p:cNvPicPr>
@@ -4038,8 +4204,158 @@
         </p:blipFill>
         <p:spPr>
           <a:xfrm>
-            <a:off x="1033431" y="2151529"/>
-            <a:ext cx="10125137" cy="3264553"/>
+            <a:off x="1174888" y="652462"/>
+            <a:ext cx="2552700" cy="2495550"/>
+          </a:xfrm>
+          <a:prstGeom prst="rect">
+            <a:avLst/>
+          </a:prstGeom>
+        </p:spPr>
+      </p:pic>
+      <p:pic>
+        <p:nvPicPr>
+          <p:cNvPr id="5" name="Picture 4">
+            <a:extLst>
+              <a:ext uri="{FF2B5EF4-FFF2-40B4-BE49-F238E27FC236}">
+                <a16:creationId xmlns:a16="http://schemas.microsoft.com/office/drawing/2014/main" id="{BAA9FF06-6CF9-475C-9A1E-F06BBE36FF55}"/>
+              </a:ext>
+            </a:extLst>
+          </p:cNvPr>
+          <p:cNvPicPr>
+            <a:picLocks noChangeAspect="1"/>
+          </p:cNvPicPr>
+          <p:nvPr/>
+        </p:nvPicPr>
+        <p:blipFill>
+          <a:blip r:embed="rId3"/>
+          <a:stretch>
+            <a:fillRect/>
+          </a:stretch>
+        </p:blipFill>
+        <p:spPr>
+          <a:xfrm>
+            <a:off x="1174888" y="3585334"/>
+            <a:ext cx="2667000" cy="2438400"/>
+          </a:xfrm>
+          <a:prstGeom prst="rect">
+            <a:avLst/>
+          </a:prstGeom>
+        </p:spPr>
+      </p:pic>
+      <p:pic>
+        <p:nvPicPr>
+          <p:cNvPr id="7" name="Picture 6">
+            <a:extLst>
+              <a:ext uri="{FF2B5EF4-FFF2-40B4-BE49-F238E27FC236}">
+                <a16:creationId xmlns:a16="http://schemas.microsoft.com/office/drawing/2014/main" id="{B9D78F82-EF53-437B-AD31-28069025C20D}"/>
+              </a:ext>
+            </a:extLst>
+          </p:cNvPr>
+          <p:cNvPicPr>
+            <a:picLocks noChangeAspect="1"/>
+          </p:cNvPicPr>
+          <p:nvPr/>
+        </p:nvPicPr>
+        <p:blipFill>
+          <a:blip r:embed="rId4"/>
+          <a:stretch>
+            <a:fillRect/>
+          </a:stretch>
+        </p:blipFill>
+        <p:spPr>
+          <a:xfrm>
+            <a:off x="4169051" y="804172"/>
+            <a:ext cx="2505075" cy="2409825"/>
+          </a:xfrm>
+          <a:prstGeom prst="rect">
+            <a:avLst/>
+          </a:prstGeom>
+        </p:spPr>
+      </p:pic>
+      <p:pic>
+        <p:nvPicPr>
+          <p:cNvPr id="8" name="Picture 7">
+            <a:extLst>
+              <a:ext uri="{FF2B5EF4-FFF2-40B4-BE49-F238E27FC236}">
+                <a16:creationId xmlns:a16="http://schemas.microsoft.com/office/drawing/2014/main" id="{5455C142-D362-4B5F-999C-0D8C57D949A8}"/>
+              </a:ext>
+            </a:extLst>
+          </p:cNvPr>
+          <p:cNvPicPr>
+            <a:picLocks noChangeAspect="1"/>
+          </p:cNvPicPr>
+          <p:nvPr/>
+        </p:nvPicPr>
+        <p:blipFill>
+          <a:blip r:embed="rId5"/>
+          <a:stretch>
+            <a:fillRect/>
+          </a:stretch>
+        </p:blipFill>
+        <p:spPr>
+          <a:xfrm>
+            <a:off x="7343982" y="804172"/>
+            <a:ext cx="3686175" cy="2514600"/>
+          </a:xfrm>
+          <a:prstGeom prst="rect">
+            <a:avLst/>
+          </a:prstGeom>
+        </p:spPr>
+      </p:pic>
+      <p:pic>
+        <p:nvPicPr>
+          <p:cNvPr id="9" name="Picture 8">
+            <a:extLst>
+              <a:ext uri="{FF2B5EF4-FFF2-40B4-BE49-F238E27FC236}">
+                <a16:creationId xmlns:a16="http://schemas.microsoft.com/office/drawing/2014/main" id="{C45FCF40-7248-4544-8711-553058B3BDA7}"/>
+              </a:ext>
+            </a:extLst>
+          </p:cNvPr>
+          <p:cNvPicPr>
+            <a:picLocks noChangeAspect="1"/>
+          </p:cNvPicPr>
+          <p:nvPr/>
+        </p:nvPicPr>
+        <p:blipFill>
+          <a:blip r:embed="rId6"/>
+          <a:stretch>
+            <a:fillRect/>
+          </a:stretch>
+        </p:blipFill>
+        <p:spPr>
+          <a:xfrm>
+            <a:off x="4064276" y="3575809"/>
+            <a:ext cx="2609850" cy="2447925"/>
+          </a:xfrm>
+          <a:prstGeom prst="rect">
+            <a:avLst/>
+          </a:prstGeom>
+        </p:spPr>
+      </p:pic>
+      <p:pic>
+        <p:nvPicPr>
+          <p:cNvPr id="10" name="Picture 9">
+            <a:extLst>
+              <a:ext uri="{FF2B5EF4-FFF2-40B4-BE49-F238E27FC236}">
+                <a16:creationId xmlns:a16="http://schemas.microsoft.com/office/drawing/2014/main" id="{2BD9D698-233D-435F-AC42-1FA001FCD91C}"/>
+              </a:ext>
+            </a:extLst>
+          </p:cNvPr>
+          <p:cNvPicPr>
+            <a:picLocks noChangeAspect="1"/>
+          </p:cNvPicPr>
+          <p:nvPr/>
+        </p:nvPicPr>
+        <p:blipFill>
+          <a:blip r:embed="rId7"/>
+          <a:stretch>
+            <a:fillRect/>
+          </a:stretch>
+        </p:blipFill>
+        <p:spPr>
+          <a:xfrm>
+            <a:off x="7340462" y="3429000"/>
+            <a:ext cx="3676650" cy="2457450"/>
           </a:xfrm>
           <a:prstGeom prst="rect">
             <a:avLst/>
@@ -4049,24 +4365,127 @@
     </p:spTree>
     <p:extLst>
       <p:ext uri="{BB962C8B-B14F-4D97-AF65-F5344CB8AC3E}">
-        <p14:creationId xmlns:p14="http://schemas.microsoft.com/office/powerpoint/2010/main" val="85179554"/>
+        <p14:creationId xmlns:p14="http://schemas.microsoft.com/office/powerpoint/2010/main" val="2655394865"/>
       </p:ext>
     </p:extLst>
   </p:cSld>
   <p:clrMapOvr>
     <a:masterClrMapping/>
   </p:clrMapOvr>
-  <p:timing>
-    <p:tnLst>
-      <p:par>
-        <p:cTn id="1" dur="indefinite" restart="never" nodeType="tmRoot"/>
-      </p:par>
-    </p:tnLst>
-  </p:timing>
 </p:sld>
 </file>
 
-<file path=ppt/slides/slide14.xml><?xml version="1.0" encoding="utf-8"?>
+<file path=ppt/slides/slide15.xml><?xml version="1.0" encoding="utf-8"?>
+<p:sld xmlns:a="http://schemas.openxmlformats.org/drawingml/2006/main" xmlns:r="http://schemas.openxmlformats.org/officeDocument/2006/relationships" xmlns:p="http://schemas.openxmlformats.org/presentationml/2006/main">
+  <p:cSld>
+    <p:spTree>
+      <p:nvGrpSpPr>
+        <p:cNvPr id="1" name=""/>
+        <p:cNvGrpSpPr/>
+        <p:nvPr/>
+      </p:nvGrpSpPr>
+      <p:grpSpPr>
+        <a:xfrm>
+          <a:off x="0" y="0"/>
+          <a:ext cx="0" cy="0"/>
+          <a:chOff x="0" y="0"/>
+          <a:chExt cx="0" cy="0"/>
+        </a:xfrm>
+      </p:grpSpPr>
+      <p:sp>
+        <p:nvSpPr>
+          <p:cNvPr id="2" name="Title 1">
+            <a:extLst>
+              <a:ext uri="{FF2B5EF4-FFF2-40B4-BE49-F238E27FC236}">
+                <a16:creationId xmlns:a16="http://schemas.microsoft.com/office/drawing/2014/main" id="{401EAE65-3034-4A80-A676-10B24089471B}"/>
+              </a:ext>
+            </a:extLst>
+          </p:cNvPr>
+          <p:cNvSpPr>
+            <a:spLocks noGrp="1"/>
+          </p:cNvSpPr>
+          <p:nvPr>
+            <p:ph type="title"/>
+          </p:nvPr>
+        </p:nvSpPr>
+        <p:spPr/>
+        <p:txBody>
+          <a:bodyPr/>
+          <a:lstStyle/>
+          <a:p>
+            <a:endParaRPr lang="en-US"/>
+          </a:p>
+        </p:txBody>
+      </p:sp>
+      <p:sp>
+        <p:nvSpPr>
+          <p:cNvPr id="3" name="Content Placeholder 2">
+            <a:extLst>
+              <a:ext uri="{FF2B5EF4-FFF2-40B4-BE49-F238E27FC236}">
+                <a16:creationId xmlns:a16="http://schemas.microsoft.com/office/drawing/2014/main" id="{0A5D0370-1F19-4C20-8158-F4C8AF88B447}"/>
+              </a:ext>
+            </a:extLst>
+          </p:cNvPr>
+          <p:cNvSpPr>
+            <a:spLocks noGrp="1"/>
+          </p:cNvSpPr>
+          <p:nvPr>
+            <p:ph idx="1"/>
+          </p:nvPr>
+        </p:nvSpPr>
+        <p:spPr/>
+        <p:txBody>
+          <a:bodyPr/>
+          <a:lstStyle/>
+          <a:p>
+            <a:endParaRPr lang="en-US"/>
+          </a:p>
+        </p:txBody>
+      </p:sp>
+      <p:pic>
+        <p:nvPicPr>
+          <p:cNvPr id="4" name="Picture 3">
+            <a:extLst>
+              <a:ext uri="{FF2B5EF4-FFF2-40B4-BE49-F238E27FC236}">
+                <a16:creationId xmlns:a16="http://schemas.microsoft.com/office/drawing/2014/main" id="{46E49F93-2483-4002-BF1A-0A38817D8783}"/>
+              </a:ext>
+            </a:extLst>
+          </p:cNvPr>
+          <p:cNvPicPr>
+            <a:picLocks noChangeAspect="1"/>
+          </p:cNvPicPr>
+          <p:nvPr/>
+        </p:nvPicPr>
+        <p:blipFill>
+          <a:blip r:embed="rId2"/>
+          <a:stretch>
+            <a:fillRect/>
+          </a:stretch>
+        </p:blipFill>
+        <p:spPr>
+          <a:xfrm>
+            <a:off x="1935024" y="681037"/>
+            <a:ext cx="7805324" cy="5203549"/>
+          </a:xfrm>
+          <a:prstGeom prst="rect">
+            <a:avLst/>
+          </a:prstGeom>
+        </p:spPr>
+      </p:pic>
+    </p:spTree>
+    <p:extLst>
+      <p:ext uri="{BB962C8B-B14F-4D97-AF65-F5344CB8AC3E}">
+        <p14:creationId xmlns:p14="http://schemas.microsoft.com/office/powerpoint/2010/main" val="151711234"/>
+      </p:ext>
+    </p:extLst>
+  </p:cSld>
+  <p:clrMapOvr>
+    <a:masterClrMapping/>
+  </p:clrMapOvr>
+</p:sld>
+</file>
+
+<file path=ppt/slides/slide16.xml><?xml version="1.0" encoding="utf-8"?>
 <p:sld xmlns:a="http://schemas.openxmlformats.org/drawingml/2006/main" xmlns:r="http://schemas.openxmlformats.org/officeDocument/2006/relationships" xmlns:p="http://schemas.openxmlformats.org/presentationml/2006/main">
   <p:cSld>
     <p:spTree>
@@ -4172,17 +4591,10 @@
   <p:clrMapOvr>
     <a:masterClrMapping/>
   </p:clrMapOvr>
-  <p:timing>
-    <p:tnLst>
-      <p:par>
-        <p:cTn id="1" dur="indefinite" restart="never" nodeType="tmRoot"/>
-      </p:par>
-    </p:tnLst>
-  </p:timing>
 </p:sld>
 </file>
 
-<file path=ppt/slides/slide15.xml><?xml version="1.0" encoding="utf-8"?>
+<file path=ppt/slides/slide17.xml><?xml version="1.0" encoding="utf-8"?>
 <p:sld xmlns:a="http://schemas.openxmlformats.org/drawingml/2006/main" xmlns:r="http://schemas.openxmlformats.org/officeDocument/2006/relationships" xmlns:p="http://schemas.openxmlformats.org/presentationml/2006/main">
   <p:cSld>
     <p:spTree>
@@ -4310,6 +4722,200 @@
       </p:grpSpPr>
       <p:sp>
         <p:nvSpPr>
+          <p:cNvPr id="2" name="Title 1">
+            <a:extLst>
+              <a:ext uri="{FF2B5EF4-FFF2-40B4-BE49-F238E27FC236}">
+                <a16:creationId xmlns:a16="http://schemas.microsoft.com/office/drawing/2014/main" id="{5E70E13C-F78F-4151-A08E-B84048D48FB1}"/>
+              </a:ext>
+            </a:extLst>
+          </p:cNvPr>
+          <p:cNvSpPr>
+            <a:spLocks noGrp="1"/>
+          </p:cNvSpPr>
+          <p:nvPr>
+            <p:ph type="title"/>
+          </p:nvPr>
+        </p:nvSpPr>
+        <p:spPr/>
+        <p:txBody>
+          <a:bodyPr/>
+          <a:lstStyle/>
+          <a:p>
+            <a:r>
+              <a:rPr lang="en-US" dirty="0"/>
+              <a:t>Chain code</a:t>
+            </a:r>
+          </a:p>
+        </p:txBody>
+      </p:sp>
+      <p:sp>
+        <p:nvSpPr>
+          <p:cNvPr id="3" name="Content Placeholder 2">
+            <a:extLst>
+              <a:ext uri="{FF2B5EF4-FFF2-40B4-BE49-F238E27FC236}">
+                <a16:creationId xmlns:a16="http://schemas.microsoft.com/office/drawing/2014/main" id="{1A2A3269-67E9-41BB-B5C2-94AACC53F849}"/>
+              </a:ext>
+            </a:extLst>
+          </p:cNvPr>
+          <p:cNvSpPr>
+            <a:spLocks noGrp="1"/>
+          </p:cNvSpPr>
+          <p:nvPr>
+            <p:ph idx="1"/>
+          </p:nvPr>
+        </p:nvSpPr>
+        <p:spPr/>
+        <p:txBody>
+          <a:bodyPr>
+            <a:normAutofit/>
+          </a:bodyPr>
+          <a:lstStyle/>
+          <a:p>
+            <a:r>
+              <a:rPr lang="en-US" dirty="0"/>
+              <a:t>A chain code is a lossless compression algorithm for monochrome images</a:t>
+            </a:r>
+          </a:p>
+          <a:p>
+            <a:r>
+              <a:rPr lang="en-US" dirty="0"/>
+              <a:t>Some popular chain codes include:</a:t>
+            </a:r>
+          </a:p>
+          <a:p>
+            <a:pPr marL="0" indent="0">
+              <a:buNone/>
+            </a:pPr>
+            <a:r>
+              <a:rPr lang="en-US" dirty="0"/>
+              <a:t>	the Freeman Chain Code of Eight Directions[1] (FCCE)</a:t>
+            </a:r>
+          </a:p>
+          <a:p>
+            <a:pPr marL="0" indent="0">
+              <a:buNone/>
+            </a:pPr>
+            <a:r>
+              <a:rPr lang="en-US" dirty="0"/>
+              <a:t>	Directional Freeman Chain Code of Eight Directions[2] (DFCCE)</a:t>
+            </a:r>
+          </a:p>
+          <a:p>
+            <a:pPr marL="0" indent="0">
+              <a:buNone/>
+            </a:pPr>
+            <a:r>
+              <a:rPr lang="en-US" dirty="0"/>
+              <a:t>	Vertex Chain Code[3] (VCC)</a:t>
+            </a:r>
+          </a:p>
+          <a:p>
+            <a:pPr marL="0" indent="0">
+              <a:buNone/>
+            </a:pPr>
+            <a:r>
+              <a:rPr lang="en-US" dirty="0"/>
+              <a:t>	Three </a:t>
+            </a:r>
+            <a:r>
+              <a:rPr lang="en-US" dirty="0" err="1"/>
+              <a:t>OrThogonal</a:t>
+            </a:r>
+            <a:r>
+              <a:rPr lang="en-US" dirty="0"/>
+              <a:t> symbol chain code[4] (3OT)</a:t>
+            </a:r>
+          </a:p>
+          <a:p>
+            <a:pPr marL="0" indent="0">
+              <a:buNone/>
+            </a:pPr>
+            <a:r>
+              <a:rPr lang="en-US" dirty="0"/>
+              <a:t>	Unsigned Manhattan Chain Code[5] (UMCC)</a:t>
+            </a:r>
+          </a:p>
+        </p:txBody>
+      </p:sp>
+      <p:pic>
+        <p:nvPicPr>
+          <p:cNvPr id="4" name="Picture 2" descr="Káº¿t quáº£ hÃ¬nh áº£nh cho 4 direction">
+            <a:extLst>
+              <a:ext uri="{FF2B5EF4-FFF2-40B4-BE49-F238E27FC236}">
+                <a16:creationId xmlns:a16="http://schemas.microsoft.com/office/drawing/2014/main" id="{11FBF483-C24B-44ED-BB5C-24A32AD2FFC6}"/>
+              </a:ext>
+            </a:extLst>
+          </p:cNvPr>
+          <p:cNvPicPr>
+            <a:picLocks noChangeAspect="1" noChangeArrowheads="1"/>
+          </p:cNvPicPr>
+          <p:nvPr/>
+        </p:nvPicPr>
+        <p:blipFill>
+          <a:blip r:embed="rId2" cstate="print">
+            <a:extLst>
+              <a:ext uri="{28A0092B-C50C-407E-A947-70E740481C1C}">
+                <a14:useLocalDpi xmlns:a14="http://schemas.microsoft.com/office/drawing/2010/main" val="0"/>
+              </a:ext>
+            </a:extLst>
+          </a:blip>
+          <a:srcRect/>
+          <a:stretch>
+            <a:fillRect/>
+          </a:stretch>
+        </p:blipFill>
+        <p:spPr bwMode="auto">
+          <a:xfrm>
+            <a:off x="8878750" y="4238418"/>
+            <a:ext cx="2988365" cy="2988365"/>
+          </a:xfrm>
+          <a:prstGeom prst="rect">
+            <a:avLst/>
+          </a:prstGeom>
+          <a:noFill/>
+          <a:extLst>
+            <a:ext uri="{909E8E84-426E-40DD-AFC4-6F175D3DCCD1}">
+              <a14:hiddenFill xmlns:a14="http://schemas.microsoft.com/office/drawing/2010/main">
+                <a:solidFill>
+                  <a:srgbClr val="FFFFFF"/>
+                </a:solidFill>
+              </a14:hiddenFill>
+            </a:ext>
+          </a:extLst>
+        </p:spPr>
+      </p:pic>
+    </p:spTree>
+    <p:extLst>
+      <p:ext uri="{BB962C8B-B14F-4D97-AF65-F5344CB8AC3E}">
+        <p14:creationId xmlns:p14="http://schemas.microsoft.com/office/powerpoint/2010/main" val="3605194262"/>
+      </p:ext>
+    </p:extLst>
+  </p:cSld>
+  <p:clrMapOvr>
+    <a:masterClrMapping/>
+  </p:clrMapOvr>
+</p:sld>
+</file>
+
+<file path=ppt/slides/slide3.xml><?xml version="1.0" encoding="utf-8"?>
+<p:sld xmlns:a="http://schemas.openxmlformats.org/drawingml/2006/main" xmlns:r="http://schemas.openxmlformats.org/officeDocument/2006/relationships" xmlns:p="http://schemas.openxmlformats.org/presentationml/2006/main">
+  <p:cSld>
+    <p:spTree>
+      <p:nvGrpSpPr>
+        <p:cNvPr id="1" name=""/>
+        <p:cNvGrpSpPr/>
+        <p:nvPr/>
+      </p:nvGrpSpPr>
+      <p:grpSpPr>
+        <a:xfrm>
+          <a:off x="0" y="0"/>
+          <a:ext cx="0" cy="0"/>
+          <a:chOff x="0" y="0"/>
+          <a:chExt cx="0" cy="0"/>
+        </a:xfrm>
+      </p:grpSpPr>
+      <p:sp>
+        <p:nvSpPr>
           <p:cNvPr id="9" name="Rectangle 8">
             <a:extLst>
               <a:ext uri="{FF2B5EF4-FFF2-40B4-BE49-F238E27FC236}">
@@ -4499,7 +5105,7 @@
           <a:bodyPr/>
           <a:lstStyle/>
           <a:p>
-            <a:endParaRPr lang="en-US"/>
+            <a:endParaRPr lang="en-US" dirty="0"/>
           </a:p>
         </p:txBody>
       </p:sp>
@@ -4560,6 +5166,33 @@
                                   </p:childTnLst>
                                 </p:cTn>
                               </p:par>
+                              <p:par>
+                                <p:cTn id="7" presetID="1" presetClass="entr" presetSubtype="0" fill="hold" nodeType="withEffect">
+                                  <p:stCondLst>
+                                    <p:cond delay="0"/>
+                                  </p:stCondLst>
+                                  <p:childTnLst>
+                                    <p:set>
+                                      <p:cBhvr>
+                                        <p:cTn id="8" dur="1" fill="hold">
+                                          <p:stCondLst>
+                                            <p:cond delay="0"/>
+                                          </p:stCondLst>
+                                        </p:cTn>
+                                        <p:tgtEl>
+                                          <p:spTgt spid="8"/>
+                                        </p:tgtEl>
+                                        <p:attrNameLst>
+                                          <p:attrName>style.visibility</p:attrName>
+                                        </p:attrNameLst>
+                                      </p:cBhvr>
+                                      <p:to>
+                                        <p:strVal val="visible"/>
+                                      </p:to>
+                                    </p:set>
+                                  </p:childTnLst>
+                                </p:cTn>
+                              </p:par>
                             </p:childTnLst>
                           </p:cTn>
                         </p:par>
@@ -4594,7 +5227,7 @@
 </p:sld>
 </file>
 
-<file path=ppt/slides/slide3.xml><?xml version="1.0" encoding="utf-8"?>
+<file path=ppt/slides/slide4.xml><?xml version="1.0" encoding="utf-8"?>
 <p:sld xmlns:a="http://schemas.openxmlformats.org/drawingml/2006/main" xmlns:r="http://schemas.openxmlformats.org/officeDocument/2006/relationships" xmlns:p="http://schemas.openxmlformats.org/presentationml/2006/main">
   <p:cSld>
     <p:spTree>
@@ -4939,7 +5572,7 @@
 </p:sld>
 </file>
 
-<file path=ppt/slides/slide4.xml><?xml version="1.0" encoding="utf-8"?>
+<file path=ppt/slides/slide5.xml><?xml version="1.0" encoding="utf-8"?>
 <p:sld xmlns:a="http://schemas.openxmlformats.org/drawingml/2006/main" xmlns:r="http://schemas.openxmlformats.org/officeDocument/2006/relationships" xmlns:p="http://schemas.openxmlformats.org/presentationml/2006/main">
   <p:cSld>
     <p:spTree>
@@ -5259,7 +5892,7 @@
 </p:sld>
 </file>
 
-<file path=ppt/slides/slide5.xml><?xml version="1.0" encoding="utf-8"?>
+<file path=ppt/slides/slide6.xml><?xml version="1.0" encoding="utf-8"?>
 <p:sld xmlns:a="http://schemas.openxmlformats.org/drawingml/2006/main" xmlns:r="http://schemas.openxmlformats.org/officeDocument/2006/relationships" xmlns:p="http://schemas.openxmlformats.org/presentationml/2006/main">
   <p:cSld>
     <p:spTree>
@@ -5426,17 +6059,10 @@
   <p:clrMapOvr>
     <a:masterClrMapping/>
   </p:clrMapOvr>
-  <p:timing>
-    <p:tnLst>
-      <p:par>
-        <p:cTn id="1" dur="indefinite" restart="never" nodeType="tmRoot"/>
-      </p:par>
-    </p:tnLst>
-  </p:timing>
 </p:sld>
 </file>
 
-<file path=ppt/slides/slide6.xml><?xml version="1.0" encoding="utf-8"?>
+<file path=ppt/slides/slide7.xml><?xml version="1.0" encoding="utf-8"?>
 <p:sld xmlns:a="http://schemas.openxmlformats.org/drawingml/2006/main" xmlns:r="http://schemas.openxmlformats.org/officeDocument/2006/relationships" xmlns:p="http://schemas.openxmlformats.org/presentationml/2006/main">
   <p:cSld>
     <p:spTree>
@@ -5637,17 +6263,10 @@
   <p:clrMapOvr>
     <a:masterClrMapping/>
   </p:clrMapOvr>
-  <p:timing>
-    <p:tnLst>
-      <p:par>
-        <p:cTn id="1" dur="indefinite" restart="never" nodeType="tmRoot"/>
-      </p:par>
-    </p:tnLst>
-  </p:timing>
 </p:sld>
 </file>
 
-<file path=ppt/slides/slide7.xml><?xml version="1.0" encoding="utf-8"?>
+<file path=ppt/slides/slide8.xml><?xml version="1.0" encoding="utf-8"?>
 <p:sld xmlns:a="http://schemas.openxmlformats.org/drawingml/2006/main" xmlns:r="http://schemas.openxmlformats.org/officeDocument/2006/relationships" xmlns:p="http://schemas.openxmlformats.org/presentationml/2006/main">
   <p:cSld>
     <p:spTree>
@@ -5814,17 +6433,10 @@
   <p:clrMapOvr>
     <a:masterClrMapping/>
   </p:clrMapOvr>
-  <p:timing>
-    <p:tnLst>
-      <p:par>
-        <p:cTn id="1" dur="indefinite" restart="never" nodeType="tmRoot"/>
-      </p:par>
-    </p:tnLst>
-  </p:timing>
 </p:sld>
 </file>
 
-<file path=ppt/slides/slide8.xml><?xml version="1.0" encoding="utf-8"?>
+<file path=ppt/slides/slide9.xml><?xml version="1.0" encoding="utf-8"?>
 <p:sld xmlns:a="http://schemas.openxmlformats.org/drawingml/2006/main" xmlns:r="http://schemas.openxmlformats.org/officeDocument/2006/relationships" xmlns:p="http://schemas.openxmlformats.org/presentationml/2006/main">
   <p:cSld>
     <p:spTree>
@@ -5863,10 +6475,9 @@
           <a:lstStyle/>
           <a:p>
             <a:r>
-              <a:rPr lang="en-US" dirty="0" smtClean="0"/>
+              <a:rPr lang="en-US" dirty="0"/>
               <a:t>String matching</a:t>
             </a:r>
-            <a:endParaRPr lang="en-US" dirty="0"/>
           </a:p>
         </p:txBody>
       </p:sp>
@@ -5892,7 +6503,7 @@
           <a:lstStyle/>
           <a:p>
             <a:r>
-              <a:rPr lang="en-US" dirty="0" smtClean="0"/>
+              <a:rPr lang="en-US" dirty="0"/>
               <a:t>How to match 2 sequences</a:t>
             </a:r>
           </a:p>
@@ -5902,26 +6513,17 @@
               <a:buChar char="q"/>
             </a:pPr>
             <a:r>
-              <a:rPr lang="vi-VN" dirty="0" smtClean="0">
+              <a:rPr lang="vi-VN" dirty="0">
                 <a:latin typeface="+mj-lt"/>
               </a:rPr>
               <a:t>The</a:t>
             </a:r>
             <a:r>
-              <a:rPr lang="en-US" dirty="0" smtClean="0">
-                <a:latin typeface="+mj-lt"/>
-              </a:rPr>
-              <a:t> number </a:t>
-            </a:r>
-            <a:r>
               <a:rPr lang="en-US" dirty="0">
                 <a:latin typeface="+mj-lt"/>
               </a:rPr>
-              <a:t>of symbols that do not match </a:t>
-            </a:r>
-            <a:endParaRPr lang="en-US" dirty="0" smtClean="0">
-              <a:latin typeface="+mj-lt"/>
-            </a:endParaRPr>
+              <a:t> number of symbols that do not match </a:t>
+            </a:r>
           </a:p>
           <a:p>
             <a:pPr lvl="1">
@@ -5929,12 +6531,8 @@
               <a:buChar char="q"/>
             </a:pPr>
             <a:r>
-              <a:rPr lang="en-US" dirty="0" smtClean="0"/>
-              <a:t>An </a:t>
-            </a:r>
-            <a:r>
               <a:rPr lang="en-US" dirty="0"/>
-              <a:t>effective measure of similarity is the ratio</a:t>
+              <a:t>An effective measure of similarity is the ratio</a:t>
             </a:r>
             <a:endParaRPr lang="en-US" dirty="0">
               <a:latin typeface="+mj-lt"/>
@@ -6060,200 +6658,6 @@
   <p:clrMapOvr>
     <a:masterClrMapping/>
   </p:clrMapOvr>
-  <p:timing>
-    <p:tnLst>
-      <p:par>
-        <p:cTn id="1" dur="indefinite" restart="never" nodeType="tmRoot"/>
-      </p:par>
-    </p:tnLst>
-  </p:timing>
-</p:sld>
-</file>
-
-<file path=ppt/slides/slide9.xml><?xml version="1.0" encoding="utf-8"?>
-<p:sld xmlns:a="http://schemas.openxmlformats.org/drawingml/2006/main" xmlns:r="http://schemas.openxmlformats.org/officeDocument/2006/relationships" xmlns:p="http://schemas.openxmlformats.org/presentationml/2006/main">
-  <p:cSld>
-    <p:spTree>
-      <p:nvGrpSpPr>
-        <p:cNvPr id="1" name=""/>
-        <p:cNvGrpSpPr/>
-        <p:nvPr/>
-      </p:nvGrpSpPr>
-      <p:grpSpPr>
-        <a:xfrm>
-          <a:off x="0" y="0"/>
-          <a:ext cx="0" cy="0"/>
-          <a:chOff x="0" y="0"/>
-          <a:chExt cx="0" cy="0"/>
-        </a:xfrm>
-      </p:grpSpPr>
-      <p:sp>
-        <p:nvSpPr>
-          <p:cNvPr id="2" name="Title 1"/>
-          <p:cNvSpPr>
-            <a:spLocks noGrp="1"/>
-          </p:cNvSpPr>
-          <p:nvPr>
-            <p:ph type="title"/>
-          </p:nvPr>
-        </p:nvSpPr>
-        <p:spPr/>
-        <p:txBody>
-          <a:bodyPr/>
-          <a:lstStyle/>
-          <a:p>
-            <a:r>
-              <a:rPr lang="en-US" dirty="0" smtClean="0"/>
-              <a:t>Code</a:t>
-            </a:r>
-            <a:endParaRPr lang="vi-VN" dirty="0"/>
-          </a:p>
-        </p:txBody>
-      </p:sp>
-      <p:sp>
-        <p:nvSpPr>
-          <p:cNvPr id="3" name="Content Placeholder 2"/>
-          <p:cNvSpPr>
-            <a:spLocks noGrp="1"/>
-          </p:cNvSpPr>
-          <p:nvPr>
-            <p:ph idx="1"/>
-          </p:nvPr>
-        </p:nvSpPr>
-        <p:spPr/>
-        <p:txBody>
-          <a:bodyPr/>
-          <a:lstStyle/>
-          <a:p>
-            <a:endParaRPr lang="vi-VN" dirty="0"/>
-          </a:p>
-        </p:txBody>
-      </p:sp>
-      <p:pic>
-        <p:nvPicPr>
-          <p:cNvPr id="2050" name="Picture 2"/>
-          <p:cNvPicPr>
-            <a:picLocks noChangeAspect="1" noChangeArrowheads="1"/>
-          </p:cNvPicPr>
-          <p:nvPr/>
-        </p:nvPicPr>
-        <p:blipFill>
-          <a:blip r:embed="rId2">
-            <a:extLst>
-              <a:ext uri="{28A0092B-C50C-407E-A947-70E740481C1C}">
-                <a14:useLocalDpi xmlns:a14="http://schemas.microsoft.com/office/drawing/2010/main" val="0"/>
-              </a:ext>
-            </a:extLst>
-          </a:blip>
-          <a:srcRect/>
-          <a:stretch>
-            <a:fillRect/>
-          </a:stretch>
-        </p:blipFill>
-        <p:spPr bwMode="auto">
-          <a:xfrm>
-            <a:off x="390524" y="2260816"/>
-            <a:ext cx="5705475" cy="3952875"/>
-          </a:xfrm>
-          <a:prstGeom prst="rect">
-            <a:avLst/>
-          </a:prstGeom>
-          <a:noFill/>
-          <a:ln>
-            <a:noFill/>
-          </a:ln>
-          <a:extLst>
-            <a:ext uri="{909E8E84-426E-40DD-AFC4-6F175D3DCCD1}">
-              <a14:hiddenFill xmlns:a14="http://schemas.microsoft.com/office/drawing/2010/main">
-                <a:solidFill>
-                  <a:schemeClr val="accent1"/>
-                </a:solidFill>
-              </a14:hiddenFill>
-            </a:ext>
-            <a:ext uri="{91240B29-F687-4F45-9708-019B960494DF}">
-              <a14:hiddenLine xmlns:a14="http://schemas.microsoft.com/office/drawing/2010/main" w="9525">
-                <a:solidFill>
-                  <a:schemeClr val="tx1"/>
-                </a:solidFill>
-                <a:miter lim="800000"/>
-                <a:headEnd/>
-                <a:tailEnd/>
-              </a14:hiddenLine>
-            </a:ext>
-          </a:extLst>
-        </p:spPr>
-      </p:pic>
-      <p:pic>
-        <p:nvPicPr>
-          <p:cNvPr id="2051" name="Picture 3"/>
-          <p:cNvPicPr>
-            <a:picLocks noChangeAspect="1" noChangeArrowheads="1"/>
-          </p:cNvPicPr>
-          <p:nvPr/>
-        </p:nvPicPr>
-        <p:blipFill>
-          <a:blip r:embed="rId3">
-            <a:extLst>
-              <a:ext uri="{28A0092B-C50C-407E-A947-70E740481C1C}">
-                <a14:useLocalDpi xmlns:a14="http://schemas.microsoft.com/office/drawing/2010/main" val="0"/>
-              </a:ext>
-            </a:extLst>
-          </a:blip>
-          <a:srcRect/>
-          <a:stretch>
-            <a:fillRect/>
-          </a:stretch>
-        </p:blipFill>
-        <p:spPr bwMode="auto">
-          <a:xfrm>
-            <a:off x="6193971" y="2252652"/>
-            <a:ext cx="5667375" cy="3143250"/>
-          </a:xfrm>
-          <a:prstGeom prst="rect">
-            <a:avLst/>
-          </a:prstGeom>
-          <a:noFill/>
-          <a:ln>
-            <a:noFill/>
-          </a:ln>
-          <a:extLst>
-            <a:ext uri="{909E8E84-426E-40DD-AFC4-6F175D3DCCD1}">
-              <a14:hiddenFill xmlns:a14="http://schemas.microsoft.com/office/drawing/2010/main">
-                <a:solidFill>
-                  <a:schemeClr val="accent1"/>
-                </a:solidFill>
-              </a14:hiddenFill>
-            </a:ext>
-            <a:ext uri="{91240B29-F687-4F45-9708-019B960494DF}">
-              <a14:hiddenLine xmlns:a14="http://schemas.microsoft.com/office/drawing/2010/main" w="9525">
-                <a:solidFill>
-                  <a:schemeClr val="tx1"/>
-                </a:solidFill>
-                <a:miter lim="800000"/>
-                <a:headEnd/>
-                <a:tailEnd/>
-              </a14:hiddenLine>
-            </a:ext>
-          </a:extLst>
-        </p:spPr>
-      </p:pic>
-    </p:spTree>
-    <p:extLst>
-      <p:ext uri="{BB962C8B-B14F-4D97-AF65-F5344CB8AC3E}">
-        <p14:creationId xmlns:p14="http://schemas.microsoft.com/office/powerpoint/2010/main" val="870555134"/>
-      </p:ext>
-    </p:extLst>
-  </p:cSld>
-  <p:clrMapOvr>
-    <a:masterClrMapping/>
-  </p:clrMapOvr>
-  <p:timing>
-    <p:tnLst>
-      <p:par>
-        <p:cTn id="1" dur="indefinite" restart="never" nodeType="tmRoot"/>
-      </p:par>
-    </p:tnLst>
-  </p:timing>
 </p:sld>
 </file>
 
